--- a/Semnatura Digitala ca metoda de Autentificare.pptx
+++ b/Semnatura Digitala ca metoda de Autentificare.pptx
@@ -222,7 +222,7 @@
           <a:p>
             <a:fld id="{1BFCF241-1F9B-46F6-A11E-E6C80BB41A05}" type="datetimeFigureOut">
               <a:rPr lang="ro-RO" smtClean="0"/>
-              <a:t>27.05.2025</a:t>
+              <a:t>02.06.2025</a:t>
             </a:fld>
             <a:endParaRPr lang="ro-RO"/>
           </a:p>
@@ -1006,7 +1006,35 @@
             </a:br>
             <a:r>
               <a:rPr lang="ro-RO" dirty="0"/>
-              <a:t>Sistemele necesită infrastructură PKI și un minim de cunoștințe tehnice din partea utilizatorilor.</a:t>
+              <a:t>Sistemele necesită infrastructură PKI</a:t>
+            </a:r>
+            <a:r>
+              <a:rPr lang="en-GB" dirty="0"/>
+              <a:t> (</a:t>
+            </a:r>
+            <a:r>
+              <a:rPr lang="ro-RO" dirty="0"/>
+              <a:t>Public </a:t>
+            </a:r>
+            <a:r>
+              <a:rPr lang="ro-RO" dirty="0" err="1"/>
+              <a:t>Key</a:t>
+            </a:r>
+            <a:r>
+              <a:rPr lang="ro-RO" dirty="0"/>
+              <a:t> </a:t>
+            </a:r>
+            <a:r>
+              <a:rPr lang="ro-RO" dirty="0" err="1"/>
+              <a:t>Infrastructure</a:t>
+            </a:r>
+            <a:r>
+              <a:rPr lang="en-GB" dirty="0"/>
+              <a:t>)</a:t>
+            </a:r>
+            <a:r>
+              <a:rPr lang="ro-RO" dirty="0"/>
+              <a:t> și un minim de cunoștințe tehnice din partea utilizatorilor.</a:t>
             </a:r>
             <a:br>
               <a:rPr lang="ro-RO" dirty="0"/>
@@ -1550,6 +1578,46 @@
               <a:rPr lang="ro-RO" dirty="0"/>
               <a:t>La final, documentul și semnătura sunt transmise împreună către destinatar.</a:t>
             </a:r>
+            <a:endParaRPr lang="en-GB" dirty="0"/>
+          </a:p>
+          <a:p>
+            <a:r>
+              <a:rPr lang="ro-RO" dirty="0"/>
+              <a:t>Un </a:t>
+            </a:r>
+            <a:r>
+              <a:rPr lang="ro-RO" b="1" dirty="0" err="1"/>
+              <a:t>hash</a:t>
+            </a:r>
+            <a:r>
+              <a:rPr lang="ro-RO" dirty="0"/>
+              <a:t> este o </a:t>
+            </a:r>
+            <a:r>
+              <a:rPr lang="ro-RO" b="1" dirty="0"/>
+              <a:t>funcție matematică unidirecțională</a:t>
+            </a:r>
+            <a:r>
+              <a:rPr lang="ro-RO" dirty="0"/>
+              <a:t> care ia un mesaj (de orice dimensiune) și produce un </a:t>
+            </a:r>
+            <a:r>
+              <a:rPr lang="ro-RO" b="1" dirty="0"/>
+              <a:t>rezumat (</a:t>
+            </a:r>
+            <a:r>
+              <a:rPr lang="ro-RO" b="1" dirty="0" err="1"/>
+              <a:t>digest</a:t>
+            </a:r>
+            <a:r>
+              <a:rPr lang="ro-RO" b="1"/>
+              <a:t>)</a:t>
+            </a:r>
+            <a:r>
+              <a:rPr lang="ro-RO"/>
+              <a:t> de dimensiune fixă.</a:t>
+            </a:r>
+            <a:endParaRPr lang="en-GB" dirty="0"/>
           </a:p>
         </p:txBody>
       </p:sp>
@@ -1883,21 +1951,113 @@
             </a:br>
             <a:r>
               <a:rPr lang="ro-RO" dirty="0"/>
-              <a:t>RSA este cel mai cunoscut – se bazează pe dificultatea de a descompune un număr mare în factori primi.</a:t>
+              <a:t>RSA</a:t>
+            </a:r>
+            <a:r>
+              <a:rPr lang="en-GB" dirty="0"/>
+              <a:t> (</a:t>
+            </a:r>
+            <a:r>
+              <a:rPr lang="ro-RO" dirty="0" err="1"/>
+              <a:t>Rivest</a:t>
+            </a:r>
+            <a:r>
+              <a:rPr lang="ro-RO" dirty="0"/>
+              <a:t>–</a:t>
+            </a:r>
+            <a:r>
+              <a:rPr lang="ro-RO" dirty="0" err="1"/>
+              <a:t>Shamir</a:t>
+            </a:r>
+            <a:r>
+              <a:rPr lang="ro-RO" dirty="0"/>
+              <a:t>–</a:t>
+            </a:r>
+            <a:r>
+              <a:rPr lang="ro-RO" dirty="0" err="1"/>
+              <a:t>Adleman</a:t>
+            </a:r>
+            <a:r>
+              <a:rPr lang="en-GB" dirty="0"/>
+              <a:t>)</a:t>
+            </a:r>
+            <a:r>
+              <a:rPr lang="ro-RO" dirty="0"/>
+              <a:t> este cel mai cunoscut – se bazează pe dificultatea de a descompune un număr mare în factori primi.</a:t>
             </a:r>
             <a:br>
               <a:rPr lang="ro-RO" dirty="0"/>
             </a:br>
             <a:r>
               <a:rPr lang="ro-RO" dirty="0"/>
-              <a:t>DSA, algoritmul standardizat de către NIST, folosește logaritmi discreți și e folosit adesea în semnături oficiale.</a:t>
+              <a:t>DSA</a:t>
+            </a:r>
+            <a:r>
+              <a:rPr lang="en-GB" dirty="0"/>
+              <a:t> (</a:t>
+            </a:r>
+            <a:r>
+              <a:rPr lang="ro-RO" dirty="0"/>
+              <a:t>Digital </a:t>
+            </a:r>
+            <a:r>
+              <a:rPr lang="ro-RO" dirty="0" err="1"/>
+              <a:t>Signature</a:t>
+            </a:r>
+            <a:r>
+              <a:rPr lang="ro-RO" dirty="0"/>
+              <a:t> </a:t>
+            </a:r>
+            <a:r>
+              <a:rPr lang="ro-RO" dirty="0" err="1"/>
+              <a:t>Algorithm</a:t>
+            </a:r>
+            <a:r>
+              <a:rPr lang="en-GB" dirty="0"/>
+              <a:t>)</a:t>
+            </a:r>
+            <a:r>
+              <a:rPr lang="ro-RO" dirty="0"/>
+              <a:t>, algoritmul standardizat de către NIST, folosește logaritmi discreți și e folosit adesea în semnături oficiale.</a:t>
             </a:r>
             <a:br>
               <a:rPr lang="ro-RO" dirty="0"/>
             </a:br>
             <a:r>
               <a:rPr lang="ro-RO" dirty="0"/>
-              <a:t>Iar ECDSA, bazat pe curbe eliptice, oferă aceeași securitate ca RSA dar cu chei mult mai mici – e eficient și modern.</a:t>
+              <a:t>Iar ECDSA</a:t>
+            </a:r>
+            <a:r>
+              <a:rPr lang="en-GB" dirty="0"/>
+              <a:t> (</a:t>
+            </a:r>
+            <a:r>
+              <a:rPr lang="ro-RO" dirty="0" err="1"/>
+              <a:t>Elliptic</a:t>
+            </a:r>
+            <a:r>
+              <a:rPr lang="ro-RO" dirty="0"/>
+              <a:t> Curve Digital </a:t>
+            </a:r>
+            <a:r>
+              <a:rPr lang="ro-RO" dirty="0" err="1"/>
+              <a:t>Signature</a:t>
+            </a:r>
+            <a:r>
+              <a:rPr lang="ro-RO" dirty="0"/>
+              <a:t> </a:t>
+            </a:r>
+            <a:r>
+              <a:rPr lang="ro-RO" dirty="0" err="1"/>
+              <a:t>Algorithm</a:t>
+            </a:r>
+            <a:r>
+              <a:rPr lang="en-GB" dirty="0"/>
+              <a:t>)</a:t>
+            </a:r>
+            <a:r>
+              <a:rPr lang="ro-RO" dirty="0"/>
+              <a:t>, bazat pe curbe eliptice, oferă aceeași securitate ca RSA dar cu chei mult mai mici – e eficient și modern.</a:t>
             </a:r>
           </a:p>
         </p:txBody>
@@ -2218,7 +2378,7 @@
           <a:p>
             <a:fld id="{5BCAD085-E8A6-8845-BD4E-CB4CCA059FC4}" type="datetimeFigureOut">
               <a:rPr lang="en-US" smtClean="0"/>
-              <a:t>5/27/2025</a:t>
+              <a:t>6/2/2025</a:t>
             </a:fld>
             <a:endParaRPr lang="en-US"/>
           </a:p>
@@ -2388,7 +2548,7 @@
           <a:p>
             <a:fld id="{5BCAD085-E8A6-8845-BD4E-CB4CCA059FC4}" type="datetimeFigureOut">
               <a:rPr lang="en-US" smtClean="0"/>
-              <a:t>5/27/2025</a:t>
+              <a:t>6/2/2025</a:t>
             </a:fld>
             <a:endParaRPr lang="en-US"/>
           </a:p>
@@ -2568,7 +2728,7 @@
           <a:p>
             <a:fld id="{5BCAD085-E8A6-8845-BD4E-CB4CCA059FC4}" type="datetimeFigureOut">
               <a:rPr lang="en-US" smtClean="0"/>
-              <a:t>5/27/2025</a:t>
+              <a:t>6/2/2025</a:t>
             </a:fld>
             <a:endParaRPr lang="en-US"/>
           </a:p>
@@ -2738,7 +2898,7 @@
           <a:p>
             <a:fld id="{5BCAD085-E8A6-8845-BD4E-CB4CCA059FC4}" type="datetimeFigureOut">
               <a:rPr lang="en-US" smtClean="0"/>
-              <a:t>5/27/2025</a:t>
+              <a:t>6/2/2025</a:t>
             </a:fld>
             <a:endParaRPr lang="en-US"/>
           </a:p>
@@ -3006,7 +3166,7 @@
           <a:p>
             <a:fld id="{5BCAD085-E8A6-8845-BD4E-CB4CCA059FC4}" type="datetimeFigureOut">
               <a:rPr lang="en-US" smtClean="0"/>
-              <a:t>5/27/2025</a:t>
+              <a:t>6/2/2025</a:t>
             </a:fld>
             <a:endParaRPr lang="en-US"/>
           </a:p>
@@ -3238,7 +3398,7 @@
           <a:p>
             <a:fld id="{5BCAD085-E8A6-8845-BD4E-CB4CCA059FC4}" type="datetimeFigureOut">
               <a:rPr lang="en-US" smtClean="0"/>
-              <a:t>5/27/2025</a:t>
+              <a:t>6/2/2025</a:t>
             </a:fld>
             <a:endParaRPr lang="en-US"/>
           </a:p>
@@ -3597,7 +3757,7 @@
           <a:p>
             <a:fld id="{5BCAD085-E8A6-8845-BD4E-CB4CCA059FC4}" type="datetimeFigureOut">
               <a:rPr lang="en-US" smtClean="0"/>
-              <a:t>5/27/2025</a:t>
+              <a:t>6/2/2025</a:t>
             </a:fld>
             <a:endParaRPr lang="en-US"/>
           </a:p>
@@ -3738,7 +3898,7 @@
           <a:p>
             <a:fld id="{5BCAD085-E8A6-8845-BD4E-CB4CCA059FC4}" type="datetimeFigureOut">
               <a:rPr lang="en-US" smtClean="0"/>
-              <a:t>5/27/2025</a:t>
+              <a:t>6/2/2025</a:t>
             </a:fld>
             <a:endParaRPr lang="en-US"/>
           </a:p>
@@ -3833,7 +3993,7 @@
           <a:p>
             <a:fld id="{5BCAD085-E8A6-8845-BD4E-CB4CCA059FC4}" type="datetimeFigureOut">
               <a:rPr lang="en-US" smtClean="0"/>
-              <a:t>5/27/2025</a:t>
+              <a:t>6/2/2025</a:t>
             </a:fld>
             <a:endParaRPr lang="en-US"/>
           </a:p>
@@ -4190,7 +4350,7 @@
           <a:p>
             <a:fld id="{5BCAD085-E8A6-8845-BD4E-CB4CCA059FC4}" type="datetimeFigureOut">
               <a:rPr lang="en-US" smtClean="0"/>
-              <a:t>5/27/2025</a:t>
+              <a:t>6/2/2025</a:t>
             </a:fld>
             <a:endParaRPr lang="en-US"/>
           </a:p>
@@ -4549,7 +4709,7 @@
           <a:p>
             <a:fld id="{5BCAD085-E8A6-8845-BD4E-CB4CCA059FC4}" type="datetimeFigureOut">
               <a:rPr lang="en-US" smtClean="0"/>
-              <a:t>5/27/2025</a:t>
+              <a:t>6/2/2025</a:t>
             </a:fld>
             <a:endParaRPr lang="en-US"/>
           </a:p>
@@ -4793,7 +4953,7 @@
           <a:p>
             <a:fld id="{5BCAD085-E8A6-8845-BD4E-CB4CCA059FC4}" type="datetimeFigureOut">
               <a:rPr lang="en-US" smtClean="0"/>
-              <a:t>5/27/2025</a:t>
+              <a:t>6/2/2025</a:t>
             </a:fld>
             <a:endParaRPr lang="en-US"/>
           </a:p>
